--- a/5.建模預測/111060_projectA_report.pptx
+++ b/5.建模預測/111060_projectA_report.pptx
@@ -5,7 +5,7 @@
     <p:sldMasterId id="2147483725" r:id="rId1"/>
   </p:sldMasterIdLst>
   <p:notesMasterIdLst>
-    <p:notesMasterId r:id="rId11"/>
+    <p:notesMasterId r:id="rId10"/>
   </p:notesMasterIdLst>
   <p:sldIdLst>
     <p:sldId id="256" r:id="rId2"/>
@@ -15,8 +15,7 @@
     <p:sldId id="260" r:id="rId6"/>
     <p:sldId id="261" r:id="rId7"/>
     <p:sldId id="278" r:id="rId8"/>
-    <p:sldId id="279" r:id="rId9"/>
-    <p:sldId id="274" r:id="rId10"/>
+    <p:sldId id="274" r:id="rId9"/>
   </p:sldIdLst>
   <p:sldSz cx="12192000" cy="6858000"/>
   <p:notesSz cx="6858000" cy="9144000"/>
@@ -25545,7 +25544,7 @@
           <a:p>
             <a:fld id="{3401A8B6-B9F7-459C-8D93-DE890CF6C2C1}" type="datetimeFigureOut">
               <a:rPr lang="zh-TW" altLang="en-US" smtClean="0"/>
-              <a:t>2022/11/19</a:t>
+              <a:t>2023/8/23</a:t>
             </a:fld>
             <a:endParaRPr lang="zh-TW" altLang="en-US"/>
           </a:p>
@@ -25966,7 +25965,7 @@
           <a:p>
             <a:fld id="{11EAACC7-3B3F-47D1-959A-EF58926E955E}" type="datetimeFigureOut">
               <a:rPr lang="en-US" smtClean="0"/>
-              <a:t>11/19/2022</a:t>
+              <a:t>8/23/2023</a:t>
             </a:fld>
             <a:endParaRPr lang="en-US"/>
           </a:p>
@@ -26164,7 +26163,7 @@
           <a:p>
             <a:fld id="{11EAACC7-3B3F-47D1-959A-EF58926E955E}" type="datetimeFigureOut">
               <a:rPr lang="en-US" smtClean="0"/>
-              <a:t>11/19/2022</a:t>
+              <a:t>8/23/2023</a:t>
             </a:fld>
             <a:endParaRPr lang="en-US"/>
           </a:p>
@@ -26372,7 +26371,7 @@
           <a:p>
             <a:fld id="{11EAACC7-3B3F-47D1-959A-EF58926E955E}" type="datetimeFigureOut">
               <a:rPr lang="en-US" smtClean="0"/>
-              <a:t>11/19/2022</a:t>
+              <a:t>8/23/2023</a:t>
             </a:fld>
             <a:endParaRPr lang="en-US"/>
           </a:p>
@@ -26601,7 +26600,7 @@
           <a:p>
             <a:fld id="{11EAACC7-3B3F-47D1-959A-EF58926E955E}" type="datetimeFigureOut">
               <a:rPr lang="en-US" smtClean="0"/>
-              <a:t>11/19/2022</a:t>
+              <a:t>8/23/2023</a:t>
             </a:fld>
             <a:endParaRPr lang="en-US" dirty="0"/>
           </a:p>
@@ -26876,7 +26875,7 @@
           <a:p>
             <a:fld id="{11EAACC7-3B3F-47D1-959A-EF58926E955E}" type="datetimeFigureOut">
               <a:rPr lang="en-US" smtClean="0"/>
-              <a:t>11/19/2022</a:t>
+              <a:t>8/23/2023</a:t>
             </a:fld>
             <a:endParaRPr lang="en-US"/>
           </a:p>
@@ -27142,7 +27141,7 @@
           <a:p>
             <a:fld id="{11EAACC7-3B3F-47D1-959A-EF58926E955E}" type="datetimeFigureOut">
               <a:rPr lang="en-US" smtClean="0"/>
-              <a:t>11/19/2022</a:t>
+              <a:t>8/23/2023</a:t>
             </a:fld>
             <a:endParaRPr lang="en-US"/>
           </a:p>
@@ -27559,7 +27558,7 @@
           <a:p>
             <a:fld id="{11EAACC7-3B3F-47D1-959A-EF58926E955E}" type="datetimeFigureOut">
               <a:rPr lang="en-US" smtClean="0"/>
-              <a:t>11/19/2022</a:t>
+              <a:t>8/23/2023</a:t>
             </a:fld>
             <a:endParaRPr lang="en-US"/>
           </a:p>
@@ -27700,7 +27699,7 @@
           <a:p>
             <a:fld id="{11EAACC7-3B3F-47D1-959A-EF58926E955E}" type="datetimeFigureOut">
               <a:rPr lang="en-US" smtClean="0"/>
-              <a:t>11/19/2022</a:t>
+              <a:t>8/23/2023</a:t>
             </a:fld>
             <a:endParaRPr lang="en-US"/>
           </a:p>
@@ -27813,7 +27812,7 @@
           <a:p>
             <a:fld id="{11EAACC7-3B3F-47D1-959A-EF58926E955E}" type="datetimeFigureOut">
               <a:rPr lang="en-US" smtClean="0"/>
-              <a:t>11/19/2022</a:t>
+              <a:t>8/23/2023</a:t>
             </a:fld>
             <a:endParaRPr lang="en-US"/>
           </a:p>
@@ -28124,7 +28123,7 @@
           <a:p>
             <a:fld id="{11EAACC7-3B3F-47D1-959A-EF58926E955E}" type="datetimeFigureOut">
               <a:rPr lang="en-US" smtClean="0"/>
-              <a:t>11/19/2022</a:t>
+              <a:t>8/23/2023</a:t>
             </a:fld>
             <a:endParaRPr lang="en-US"/>
           </a:p>
@@ -28415,7 +28414,7 @@
           <a:p>
             <a:fld id="{11EAACC7-3B3F-47D1-959A-EF58926E955E}" type="datetimeFigureOut">
               <a:rPr lang="en-US" smtClean="0"/>
-              <a:t>11/19/2022</a:t>
+              <a:t>8/23/2023</a:t>
             </a:fld>
             <a:endParaRPr lang="en-US"/>
           </a:p>
@@ -28972,7 +28971,7 @@
           <a:p>
             <a:fld id="{11EAACC7-3B3F-47D1-959A-EF58926E955E}" type="datetimeFigureOut">
               <a:rPr lang="en-US" smtClean="0"/>
-              <a:t>11/19/2022</a:t>
+              <a:t>8/23/2023</a:t>
             </a:fld>
             <a:endParaRPr lang="en-US"/>
           </a:p>
@@ -32686,8 +32685,8 @@
           </a:p>
         </p:txBody>
       </p:sp>
-      <mc:AlternateContent xmlns:mc="http://schemas.openxmlformats.org/markup-compatibility/2006">
-        <mc:Choice xmlns:a14="http://schemas.microsoft.com/office/drawing/2010/main" Requires="a14">
+      <mc:AlternateContent xmlns:mc="http://schemas.openxmlformats.org/markup-compatibility/2006" xmlns:a14="http://schemas.microsoft.com/office/drawing/2010/main">
+        <mc:Choice Requires="a14">
           <p:sp>
             <p:nvSpPr>
               <p:cNvPr id="9" name="文字方塊 8">
@@ -32716,6 +32715,7 @@
               </a:bodyPr>
               <a:lstStyle/>
               <a:p>
+                <a:pPr/>
                 <a14:m>
                   <m:oMathPara xmlns:m="http://schemas.openxmlformats.org/officeDocument/2006/math">
                     <m:oMathParaPr>
@@ -32747,7 +32747,7 @@
                         <m:radPr>
                           <m:degHide m:val="on"/>
                           <m:ctrlPr>
-                            <a:rPr lang="zh-TW" altLang="en-US" sz="1100" smtClean="0">
+                            <a:rPr lang="zh-TW" altLang="en-US" sz="1100" i="1" smtClean="0">
                               <a:solidFill>
                                 <a:schemeClr val="tx1"/>
                               </a:solidFill>
@@ -32760,7 +32760,7 @@
                           <m:f>
                             <m:fPr>
                               <m:ctrlPr>
-                                <a:rPr lang="zh-TW" altLang="en-US" sz="1100">
+                                <a:rPr lang="zh-TW" altLang="en-US" sz="1100" i="1">
                                   <a:solidFill>
                                     <a:schemeClr val="tx1"/>
                                   </a:solidFill>
@@ -32960,7 +32960,7 @@
             </p:txBody>
           </p:sp>
         </mc:Choice>
-        <mc:Fallback>
+        <mc:Fallback xmlns="">
           <p:sp>
             <p:nvSpPr>
               <p:cNvPr id="9" name="文字方塊 8">
@@ -33792,752 +33792,6 @@
 </file>
 
 <file path=ppt/slides/slide8.xml><?xml version="1.0" encoding="utf-8"?>
-<p:sld xmlns:a="http://schemas.openxmlformats.org/drawingml/2006/main" xmlns:r="http://schemas.openxmlformats.org/officeDocument/2006/relationships" xmlns:p="http://schemas.openxmlformats.org/presentationml/2006/main">
-  <p:cSld>
-    <p:spTree>
-      <p:nvGrpSpPr>
-        <p:cNvPr id="1" name=""/>
-        <p:cNvGrpSpPr/>
-        <p:nvPr/>
-      </p:nvGrpSpPr>
-      <p:grpSpPr>
-        <a:xfrm>
-          <a:off x="0" y="0"/>
-          <a:ext cx="0" cy="0"/>
-          <a:chOff x="0" y="0"/>
-          <a:chExt cx="0" cy="0"/>
-        </a:xfrm>
-      </p:grpSpPr>
-      <p:sp>
-        <p:nvSpPr>
-          <p:cNvPr id="2" name="標題 1">
-            <a:extLst>
-              <a:ext uri="{FF2B5EF4-FFF2-40B4-BE49-F238E27FC236}">
-                <a16:creationId xmlns:a16="http://schemas.microsoft.com/office/drawing/2014/main" id="{50E12870-3F36-045D-30FD-8679942604BD}"/>
-              </a:ext>
-            </a:extLst>
-          </p:cNvPr>
-          <p:cNvSpPr>
-            <a:spLocks noGrp="1"/>
-          </p:cNvSpPr>
-          <p:nvPr>
-            <p:ph type="title"/>
-          </p:nvPr>
-        </p:nvSpPr>
-        <p:spPr>
-          <a:xfrm>
-            <a:off x="1143000" y="533401"/>
-            <a:ext cx="9906000" cy="766481"/>
-          </a:xfrm>
-        </p:spPr>
-        <p:txBody>
-          <a:bodyPr>
-            <a:normAutofit/>
-          </a:bodyPr>
-          <a:lstStyle/>
-          <a:p>
-            <a:r>
-              <a:rPr lang="zh-TW" altLang="en-US" sz="3200" i="0" dirty="0">
-                <a:latin typeface="標楷體" panose="03000509000000000000" pitchFamily="65" charset="-120"/>
-                <a:ea typeface="標楷體" panose="03000509000000000000" pitchFamily="65" charset="-120"/>
-              </a:rPr>
-              <a:t>五、</a:t>
-            </a:r>
-            <a:r>
-              <a:rPr lang="zh-TW" altLang="en-US" sz="3200" i="0" dirty="0">
-                <a:solidFill>
-                  <a:schemeClr val="tx1"/>
-                </a:solidFill>
-                <a:latin typeface="標楷體" panose="03000509000000000000" pitchFamily="65" charset="-120"/>
-                <a:ea typeface="標楷體" panose="03000509000000000000" pitchFamily="65" charset="-120"/>
-              </a:rPr>
-              <a:t>資料後處理</a:t>
-            </a:r>
-            <a:endParaRPr lang="zh-TW" altLang="en-US" sz="3200" i="0" dirty="0">
-              <a:latin typeface="標楷體" panose="03000509000000000000" pitchFamily="65" charset="-120"/>
-              <a:ea typeface="標楷體" panose="03000509000000000000" pitchFamily="65" charset="-120"/>
-            </a:endParaRPr>
-          </a:p>
-        </p:txBody>
-      </p:sp>
-      <p:sp>
-        <p:nvSpPr>
-          <p:cNvPr id="3" name="內容版面配置區 2">
-            <a:extLst>
-              <a:ext uri="{FF2B5EF4-FFF2-40B4-BE49-F238E27FC236}">
-                <a16:creationId xmlns:a16="http://schemas.microsoft.com/office/drawing/2014/main" id="{A5A0A09E-08B3-F534-5314-65397506E01C}"/>
-              </a:ext>
-            </a:extLst>
-          </p:cNvPr>
-          <p:cNvSpPr>
-            <a:spLocks noGrp="1"/>
-          </p:cNvSpPr>
-          <p:nvPr>
-            <p:ph idx="1"/>
-          </p:nvPr>
-        </p:nvSpPr>
-        <p:spPr>
-          <a:xfrm>
-            <a:off x="1143000" y="1299882"/>
-            <a:ext cx="9906000" cy="4734096"/>
-          </a:xfrm>
-        </p:spPr>
-        <p:txBody>
-          <a:bodyPr>
-            <a:normAutofit/>
-          </a:bodyPr>
-          <a:lstStyle/>
-          <a:p>
-            <a:r>
-              <a:rPr lang="zh-TW" altLang="en-US" dirty="0">
-                <a:latin typeface="標楷體" panose="03000509000000000000" pitchFamily="65" charset="-120"/>
-                <a:ea typeface="標楷體" panose="03000509000000000000" pitchFamily="65" charset="-120"/>
-              </a:rPr>
-              <a:t>第二次調整為</a:t>
-            </a:r>
-            <a:r>
-              <a:rPr lang="zh-TW" altLang="en-US" b="1" dirty="0">
-                <a:solidFill>
-                  <a:srgbClr val="FF0000"/>
-                </a:solidFill>
-                <a:latin typeface="標楷體" panose="03000509000000000000" pitchFamily="65" charset="-120"/>
-                <a:ea typeface="標楷體" panose="03000509000000000000" pitchFamily="65" charset="-120"/>
-              </a:rPr>
-              <a:t>最後結果</a:t>
-            </a:r>
-            <a:r>
-              <a:rPr lang="en-US" altLang="zh-TW" dirty="0">
-                <a:latin typeface="標楷體" panose="03000509000000000000" pitchFamily="65" charset="-120"/>
-                <a:ea typeface="標楷體" panose="03000509000000000000" pitchFamily="65" charset="-120"/>
-              </a:rPr>
-              <a:t>:</a:t>
-            </a:r>
-          </a:p>
-          <a:p>
-            <a:pPr marL="457200" lvl="1" indent="0">
-              <a:buNone/>
-            </a:pPr>
-            <a:r>
-              <a:rPr lang="zh-TW" altLang="en-US" dirty="0">
-                <a:latin typeface="標楷體" panose="03000509000000000000" pitchFamily="65" charset="-120"/>
-                <a:ea typeface="標楷體" panose="03000509000000000000" pitchFamily="65" charset="-120"/>
-              </a:rPr>
-              <a:t>根據 </a:t>
-            </a:r>
-            <a:r>
-              <a:rPr lang="en-US" altLang="zh-TW" dirty="0">
-                <a:latin typeface="標楷體" panose="03000509000000000000" pitchFamily="65" charset="-120"/>
-                <a:ea typeface="標楷體" panose="03000509000000000000" pitchFamily="65" charset="-120"/>
-              </a:rPr>
-              <a:t>2022/6/30</a:t>
-            </a:r>
-            <a:r>
-              <a:rPr lang="zh-TW" altLang="en-US" dirty="0">
-                <a:latin typeface="標楷體" panose="03000509000000000000" pitchFamily="65" charset="-120"/>
-                <a:ea typeface="標楷體" panose="03000509000000000000" pitchFamily="65" charset="-120"/>
-              </a:rPr>
-              <a:t> 的累積使用時數來調整個爐層的壞掉燈管數量</a:t>
-            </a:r>
-            <a:endParaRPr lang="en-US" altLang="zh-TW" dirty="0">
-              <a:latin typeface="標楷體" panose="03000509000000000000" pitchFamily="65" charset="-120"/>
-              <a:ea typeface="標楷體" panose="03000509000000000000" pitchFamily="65" charset="-120"/>
-            </a:endParaRPr>
-          </a:p>
-          <a:p>
-            <a:endParaRPr lang="en-US" altLang="zh-TW" dirty="0">
-              <a:latin typeface="標楷體" panose="03000509000000000000" pitchFamily="65" charset="-120"/>
-              <a:ea typeface="標楷體" panose="03000509000000000000" pitchFamily="65" charset="-120"/>
-            </a:endParaRPr>
-          </a:p>
-          <a:p>
-            <a:endParaRPr lang="en-US" altLang="zh-TW" dirty="0">
-              <a:latin typeface="標楷體" panose="03000509000000000000" pitchFamily="65" charset="-120"/>
-              <a:ea typeface="標楷體" panose="03000509000000000000" pitchFamily="65" charset="-120"/>
-            </a:endParaRPr>
-          </a:p>
-          <a:p>
-            <a:pPr marL="0" indent="0">
-              <a:buNone/>
-            </a:pPr>
-            <a:r>
-              <a:rPr lang="en-US" altLang="zh-TW" dirty="0">
-                <a:latin typeface="標楷體" panose="03000509000000000000" pitchFamily="65" charset="-120"/>
-                <a:ea typeface="標楷體" panose="03000509000000000000" pitchFamily="65" charset="-120"/>
-              </a:rPr>
-              <a:t> </a:t>
-            </a:r>
-          </a:p>
-          <a:p>
-            <a:endParaRPr lang="en-US" altLang="zh-TW" dirty="0">
-              <a:latin typeface="標楷體" panose="03000509000000000000" pitchFamily="65" charset="-120"/>
-              <a:ea typeface="標楷體" panose="03000509000000000000" pitchFamily="65" charset="-120"/>
-            </a:endParaRPr>
-          </a:p>
-          <a:p>
-            <a:pPr marL="0" indent="0">
-              <a:buNone/>
-            </a:pPr>
-            <a:r>
-              <a:rPr lang="zh-TW" altLang="en-US" dirty="0">
-                <a:latin typeface="標楷體" panose="03000509000000000000" pitchFamily="65" charset="-120"/>
-                <a:ea typeface="標楷體" panose="03000509000000000000" pitchFamily="65" charset="-120"/>
-              </a:rPr>
-              <a:t>   </a:t>
-            </a:r>
-            <a:endParaRPr lang="en-US" altLang="zh-TW" dirty="0">
-              <a:latin typeface="標楷體" panose="03000509000000000000" pitchFamily="65" charset="-120"/>
-              <a:ea typeface="標楷體" panose="03000509000000000000" pitchFamily="65" charset="-120"/>
-            </a:endParaRPr>
-          </a:p>
-          <a:p>
-            <a:pPr marL="0" indent="0">
-              <a:buNone/>
-            </a:pPr>
-            <a:r>
-              <a:rPr lang="zh-TW" altLang="en-US" sz="2000" dirty="0">
-                <a:latin typeface="標楷體" panose="03000509000000000000" pitchFamily="65" charset="-120"/>
-                <a:ea typeface="標楷體" panose="03000509000000000000" pitchFamily="65" charset="-120"/>
-              </a:rPr>
-              <a:t>    例子</a:t>
-            </a:r>
-            <a:r>
-              <a:rPr lang="en-US" altLang="zh-TW" sz="2000" dirty="0">
-                <a:latin typeface="標楷體" panose="03000509000000000000" pitchFamily="65" charset="-120"/>
-                <a:ea typeface="標楷體" panose="03000509000000000000" pitchFamily="65" charset="-120"/>
-              </a:rPr>
-              <a:t>:</a:t>
-            </a:r>
-            <a:r>
-              <a:rPr lang="zh-TW" altLang="en-US" sz="2000" dirty="0">
-                <a:latin typeface="標楷體" panose="03000509000000000000" pitchFamily="65" charset="-120"/>
-                <a:ea typeface="標楷體" panose="03000509000000000000" pitchFamily="65" charset="-120"/>
-              </a:rPr>
-              <a:t> 假設</a:t>
-            </a:r>
-            <a:r>
-              <a:rPr lang="en-US" altLang="zh-TW" sz="2000" dirty="0">
-                <a:latin typeface="標楷體" panose="03000509000000000000" pitchFamily="65" charset="-120"/>
-                <a:ea typeface="標楷體" panose="03000509000000000000" pitchFamily="65" charset="-120"/>
-              </a:rPr>
-              <a:t>1B0_1</a:t>
-            </a:r>
-            <a:r>
-              <a:rPr lang="zh-TW" altLang="en-US" sz="2000" dirty="0">
-                <a:latin typeface="標楷體" panose="03000509000000000000" pitchFamily="65" charset="-120"/>
-                <a:ea typeface="標楷體" panose="03000509000000000000" pitchFamily="65" charset="-120"/>
-              </a:rPr>
-              <a:t>的累積時數為</a:t>
-            </a:r>
-            <a:r>
-              <a:rPr lang="en-US" altLang="zh-TW" sz="2000" dirty="0">
-                <a:latin typeface="標楷體" panose="03000509000000000000" pitchFamily="65" charset="-120"/>
-                <a:ea typeface="標楷體" panose="03000509000000000000" pitchFamily="65" charset="-120"/>
-              </a:rPr>
-              <a:t>8000</a:t>
-            </a:r>
-            <a:r>
-              <a:rPr lang="zh-TW" altLang="en-US" sz="2000" dirty="0">
-                <a:latin typeface="標楷體" panose="03000509000000000000" pitchFamily="65" charset="-120"/>
-                <a:ea typeface="標楷體" panose="03000509000000000000" pitchFamily="65" charset="-120"/>
-              </a:rPr>
-              <a:t>，則最終的壞掉燈管數量為</a:t>
-            </a:r>
-            <a:r>
-              <a:rPr lang="en-US" altLang="zh-TW" sz="2000" dirty="0">
-                <a:latin typeface="標楷體" panose="03000509000000000000" pitchFamily="65" charset="-120"/>
-                <a:ea typeface="標楷體" panose="03000509000000000000" pitchFamily="65" charset="-120"/>
-              </a:rPr>
-              <a:t>5</a:t>
-            </a:r>
-            <a:endParaRPr lang="zh-TW" altLang="en-US" sz="2000" dirty="0">
-              <a:latin typeface="標楷體" panose="03000509000000000000" pitchFamily="65" charset="-120"/>
-              <a:ea typeface="標楷體" panose="03000509000000000000" pitchFamily="65" charset="-120"/>
-            </a:endParaRPr>
-          </a:p>
-          <a:p>
-            <a:pPr marL="0" indent="0">
-              <a:buNone/>
-            </a:pPr>
-            <a:endParaRPr lang="zh-TW" altLang="en-US" dirty="0">
-              <a:latin typeface="標楷體" panose="03000509000000000000" pitchFamily="65" charset="-120"/>
-              <a:ea typeface="標楷體" panose="03000509000000000000" pitchFamily="65" charset="-120"/>
-            </a:endParaRPr>
-          </a:p>
-        </p:txBody>
-      </p:sp>
-      <p:graphicFrame>
-        <p:nvGraphicFramePr>
-          <p:cNvPr id="5" name="表格 4">
-            <a:extLst>
-              <a:ext uri="{FF2B5EF4-FFF2-40B4-BE49-F238E27FC236}">
-                <a16:creationId xmlns:a16="http://schemas.microsoft.com/office/drawing/2014/main" id="{D7A137A4-113D-9FFC-9620-1CBB935CB989}"/>
-              </a:ext>
-            </a:extLst>
-          </p:cNvPr>
-          <p:cNvGraphicFramePr>
-            <a:graphicFrameLocks noGrp="1"/>
-          </p:cNvGraphicFramePr>
-          <p:nvPr>
-            <p:extLst>
-              <p:ext uri="{D42A27DB-BD31-4B8C-83A1-F6EECF244321}">
-                <p14:modId xmlns:p14="http://schemas.microsoft.com/office/powerpoint/2010/main" val="163332476"/>
-              </p:ext>
-            </p:extLst>
-          </p:nvPr>
-        </p:nvGraphicFramePr>
-        <p:xfrm>
-          <a:off x="1717674" y="2250684"/>
-          <a:ext cx="8128000" cy="1854200"/>
-        </p:xfrm>
-        <a:graphic>
-          <a:graphicData uri="http://schemas.openxmlformats.org/drawingml/2006/table">
-            <a:tbl>
-              <a:tblPr firstRow="1" bandRow="1">
-                <a:tableStyleId>{21E4AEA4-8DFA-4A89-87EB-49C32662AFE0}</a:tableStyleId>
-              </a:tblPr>
-              <a:tblGrid>
-                <a:gridCol w="4064000">
-                  <a:extLst>
-                    <a:ext uri="{9D8B030D-6E8A-4147-A177-3AD203B41FA5}">
-                      <a16:colId xmlns:a16="http://schemas.microsoft.com/office/drawing/2014/main" val="4257441875"/>
-                    </a:ext>
-                  </a:extLst>
-                </a:gridCol>
-                <a:gridCol w="4064000">
-                  <a:extLst>
-                    <a:ext uri="{9D8B030D-6E8A-4147-A177-3AD203B41FA5}">
-                      <a16:colId xmlns:a16="http://schemas.microsoft.com/office/drawing/2014/main" val="3753251095"/>
-                    </a:ext>
-                  </a:extLst>
-                </a:gridCol>
-              </a:tblGrid>
-              <a:tr h="370840">
-                <a:tc>
-                  <a:txBody>
-                    <a:bodyPr/>
-                    <a:lstStyle/>
-                    <a:p>
-                      <a:r>
-                        <a:rPr lang="en-US" altLang="zh-TW" dirty="0" err="1">
-                          <a:latin typeface="標楷體" panose="03000509000000000000" pitchFamily="65" charset="-120"/>
-                          <a:ea typeface="標楷體" panose="03000509000000000000" pitchFamily="65" charset="-120"/>
-                        </a:rPr>
-                        <a:t>accumulation_hour</a:t>
-                      </a:r>
-                      <a:endParaRPr lang="zh-TW" altLang="en-US" dirty="0">
-                        <a:latin typeface="標楷體" panose="03000509000000000000" pitchFamily="65" charset="-120"/>
-                        <a:ea typeface="標楷體" panose="03000509000000000000" pitchFamily="65" charset="-120"/>
-                      </a:endParaRPr>
-                    </a:p>
-                  </a:txBody>
-                  <a:tcPr/>
-                </a:tc>
-                <a:tc>
-                  <a:txBody>
-                    <a:bodyPr/>
-                    <a:lstStyle/>
-                    <a:p>
-                      <a:r>
-                        <a:rPr lang="zh-TW" altLang="en-US" dirty="0">
-                          <a:latin typeface="標楷體" panose="03000509000000000000" pitchFamily="65" charset="-120"/>
-                          <a:ea typeface="標楷體" panose="03000509000000000000" pitchFamily="65" charset="-120"/>
-                        </a:rPr>
-                        <a:t>調整數量</a:t>
-                      </a:r>
-                    </a:p>
-                  </a:txBody>
-                  <a:tcPr/>
-                </a:tc>
-                <a:extLst>
-                  <a:ext uri="{0D108BD9-81ED-4DB2-BD59-A6C34878D82A}">
-                    <a16:rowId xmlns:a16="http://schemas.microsoft.com/office/drawing/2014/main" val="4037289380"/>
-                  </a:ext>
-                </a:extLst>
-              </a:tr>
-              <a:tr h="370840">
-                <a:tc>
-                  <a:txBody>
-                    <a:bodyPr/>
-                    <a:lstStyle/>
-                    <a:p>
-                      <a:r>
-                        <a:rPr lang="en-US" altLang="zh-TW" dirty="0">
-                          <a:latin typeface="標楷體" panose="03000509000000000000" pitchFamily="65" charset="-120"/>
-                          <a:ea typeface="標楷體" panose="03000509000000000000" pitchFamily="65" charset="-120"/>
-                        </a:rPr>
-                        <a:t>0~1500</a:t>
-                      </a:r>
-                      <a:endParaRPr lang="zh-TW" altLang="en-US" dirty="0">
-                        <a:latin typeface="標楷體" panose="03000509000000000000" pitchFamily="65" charset="-120"/>
-                        <a:ea typeface="標楷體" panose="03000509000000000000" pitchFamily="65" charset="-120"/>
-                      </a:endParaRPr>
-                    </a:p>
-                  </a:txBody>
-                  <a:tcPr/>
-                </a:tc>
-                <a:tc>
-                  <a:txBody>
-                    <a:bodyPr/>
-                    <a:lstStyle/>
-                    <a:p>
-                      <a:r>
-                        <a:rPr lang="en-US" altLang="zh-TW" dirty="0">
-                          <a:latin typeface="標楷體" panose="03000509000000000000" pitchFamily="65" charset="-120"/>
-                          <a:ea typeface="標楷體" panose="03000509000000000000" pitchFamily="65" charset="-120"/>
-                        </a:rPr>
-                        <a:t>-2</a:t>
-                      </a:r>
-                      <a:endParaRPr lang="zh-TW" altLang="en-US" dirty="0">
-                        <a:latin typeface="標楷體" panose="03000509000000000000" pitchFamily="65" charset="-120"/>
-                        <a:ea typeface="標楷體" panose="03000509000000000000" pitchFamily="65" charset="-120"/>
-                      </a:endParaRPr>
-                    </a:p>
-                  </a:txBody>
-                  <a:tcPr/>
-                </a:tc>
-                <a:extLst>
-                  <a:ext uri="{0D108BD9-81ED-4DB2-BD59-A6C34878D82A}">
-                    <a16:rowId xmlns:a16="http://schemas.microsoft.com/office/drawing/2014/main" val="2342042331"/>
-                  </a:ext>
-                </a:extLst>
-              </a:tr>
-              <a:tr h="370840">
-                <a:tc>
-                  <a:txBody>
-                    <a:bodyPr/>
-                    <a:lstStyle/>
-                    <a:p>
-                      <a:r>
-                        <a:rPr lang="en-US" altLang="zh-TW" dirty="0">
-                          <a:latin typeface="標楷體" panose="03000509000000000000" pitchFamily="65" charset="-120"/>
-                          <a:ea typeface="標楷體" panose="03000509000000000000" pitchFamily="65" charset="-120"/>
-                        </a:rPr>
-                        <a:t>1500~3000</a:t>
-                      </a:r>
-                      <a:endParaRPr lang="zh-TW" altLang="en-US" dirty="0">
-                        <a:latin typeface="標楷體" panose="03000509000000000000" pitchFamily="65" charset="-120"/>
-                        <a:ea typeface="標楷體" panose="03000509000000000000" pitchFamily="65" charset="-120"/>
-                      </a:endParaRPr>
-                    </a:p>
-                  </a:txBody>
-                  <a:tcPr/>
-                </a:tc>
-                <a:tc>
-                  <a:txBody>
-                    <a:bodyPr/>
-                    <a:lstStyle/>
-                    <a:p>
-                      <a:r>
-                        <a:rPr lang="en-US" altLang="zh-TW" dirty="0">
-                          <a:latin typeface="標楷體" panose="03000509000000000000" pitchFamily="65" charset="-120"/>
-                          <a:ea typeface="標楷體" panose="03000509000000000000" pitchFamily="65" charset="-120"/>
-                        </a:rPr>
-                        <a:t>-1</a:t>
-                      </a:r>
-                      <a:endParaRPr lang="zh-TW" altLang="en-US" dirty="0">
-                        <a:latin typeface="標楷體" panose="03000509000000000000" pitchFamily="65" charset="-120"/>
-                        <a:ea typeface="標楷體" panose="03000509000000000000" pitchFamily="65" charset="-120"/>
-                      </a:endParaRPr>
-                    </a:p>
-                  </a:txBody>
-                  <a:tcPr/>
-                </a:tc>
-                <a:extLst>
-                  <a:ext uri="{0D108BD9-81ED-4DB2-BD59-A6C34878D82A}">
-                    <a16:rowId xmlns:a16="http://schemas.microsoft.com/office/drawing/2014/main" val="1378905430"/>
-                  </a:ext>
-                </a:extLst>
-              </a:tr>
-              <a:tr h="370840">
-                <a:tc>
-                  <a:txBody>
-                    <a:bodyPr/>
-                    <a:lstStyle/>
-                    <a:p>
-                      <a:r>
-                        <a:rPr lang="en-US" altLang="zh-TW" dirty="0">
-                          <a:latin typeface="標楷體" panose="03000509000000000000" pitchFamily="65" charset="-120"/>
-                          <a:ea typeface="標楷體" panose="03000509000000000000" pitchFamily="65" charset="-120"/>
-                        </a:rPr>
-                        <a:t>3000~7000</a:t>
-                      </a:r>
-                      <a:endParaRPr lang="zh-TW" altLang="en-US" dirty="0">
-                        <a:latin typeface="標楷體" panose="03000509000000000000" pitchFamily="65" charset="-120"/>
-                        <a:ea typeface="標楷體" panose="03000509000000000000" pitchFamily="65" charset="-120"/>
-                      </a:endParaRPr>
-                    </a:p>
-                  </a:txBody>
-                  <a:tcPr/>
-                </a:tc>
-                <a:tc>
-                  <a:txBody>
-                    <a:bodyPr/>
-                    <a:lstStyle/>
-                    <a:p>
-                      <a:r>
-                        <a:rPr lang="en-US" altLang="zh-TW" dirty="0">
-                          <a:latin typeface="標楷體" panose="03000509000000000000" pitchFamily="65" charset="-120"/>
-                          <a:ea typeface="標楷體" panose="03000509000000000000" pitchFamily="65" charset="-120"/>
-                        </a:rPr>
-                        <a:t>+1</a:t>
-                      </a:r>
-                      <a:endParaRPr lang="zh-TW" altLang="en-US" dirty="0">
-                        <a:latin typeface="標楷體" panose="03000509000000000000" pitchFamily="65" charset="-120"/>
-                        <a:ea typeface="標楷體" panose="03000509000000000000" pitchFamily="65" charset="-120"/>
-                      </a:endParaRPr>
-                    </a:p>
-                  </a:txBody>
-                  <a:tcPr/>
-                </a:tc>
-                <a:extLst>
-                  <a:ext uri="{0D108BD9-81ED-4DB2-BD59-A6C34878D82A}">
-                    <a16:rowId xmlns:a16="http://schemas.microsoft.com/office/drawing/2014/main" val="250555689"/>
-                  </a:ext>
-                </a:extLst>
-              </a:tr>
-              <a:tr h="370840">
-                <a:tc>
-                  <a:txBody>
-                    <a:bodyPr/>
-                    <a:lstStyle/>
-                    <a:p>
-                      <a:r>
-                        <a:rPr lang="en-US" altLang="zh-TW" dirty="0">
-                          <a:latin typeface="標楷體" panose="03000509000000000000" pitchFamily="65" charset="-120"/>
-                          <a:ea typeface="標楷體" panose="03000509000000000000" pitchFamily="65" charset="-120"/>
-                        </a:rPr>
-                        <a:t>7000~</a:t>
-                      </a:r>
-                      <a:endParaRPr lang="zh-TW" altLang="en-US" dirty="0">
-                        <a:latin typeface="標楷體" panose="03000509000000000000" pitchFamily="65" charset="-120"/>
-                        <a:ea typeface="標楷體" panose="03000509000000000000" pitchFamily="65" charset="-120"/>
-                      </a:endParaRPr>
-                    </a:p>
-                  </a:txBody>
-                  <a:tcPr/>
-                </a:tc>
-                <a:tc>
-                  <a:txBody>
-                    <a:bodyPr/>
-                    <a:lstStyle/>
-                    <a:p>
-                      <a:r>
-                        <a:rPr lang="en-US" altLang="zh-TW" dirty="0">
-                          <a:latin typeface="標楷體" panose="03000509000000000000" pitchFamily="65" charset="-120"/>
-                          <a:ea typeface="標楷體" panose="03000509000000000000" pitchFamily="65" charset="-120"/>
-                        </a:rPr>
-                        <a:t>+3</a:t>
-                      </a:r>
-                      <a:endParaRPr lang="zh-TW" altLang="en-US" dirty="0">
-                        <a:latin typeface="標楷體" panose="03000509000000000000" pitchFamily="65" charset="-120"/>
-                        <a:ea typeface="標楷體" panose="03000509000000000000" pitchFamily="65" charset="-120"/>
-                      </a:endParaRPr>
-                    </a:p>
-                  </a:txBody>
-                  <a:tcPr/>
-                </a:tc>
-                <a:extLst>
-                  <a:ext uri="{0D108BD9-81ED-4DB2-BD59-A6C34878D82A}">
-                    <a16:rowId xmlns:a16="http://schemas.microsoft.com/office/drawing/2014/main" val="4037031504"/>
-                  </a:ext>
-                </a:extLst>
-              </a:tr>
-            </a:tbl>
-          </a:graphicData>
-        </a:graphic>
-      </p:graphicFrame>
-      <p:graphicFrame>
-        <p:nvGraphicFramePr>
-          <p:cNvPr id="8" name="表格 6">
-            <a:extLst>
-              <a:ext uri="{FF2B5EF4-FFF2-40B4-BE49-F238E27FC236}">
-                <a16:creationId xmlns:a16="http://schemas.microsoft.com/office/drawing/2014/main" id="{825BD3A8-009E-2987-C08E-47586DDB82A8}"/>
-              </a:ext>
-            </a:extLst>
-          </p:cNvPr>
-          <p:cNvGraphicFramePr>
-            <a:graphicFrameLocks noGrp="1"/>
-          </p:cNvGraphicFramePr>
-          <p:nvPr>
-            <p:extLst>
-              <p:ext uri="{D42A27DB-BD31-4B8C-83A1-F6EECF244321}">
-                <p14:modId xmlns:p14="http://schemas.microsoft.com/office/powerpoint/2010/main" val="3405212609"/>
-              </p:ext>
-            </p:extLst>
-          </p:nvPr>
-        </p:nvGraphicFramePr>
-        <p:xfrm>
-          <a:off x="1717674" y="5055686"/>
-          <a:ext cx="5418666" cy="741680"/>
-        </p:xfrm>
-        <a:graphic>
-          <a:graphicData uri="http://schemas.openxmlformats.org/drawingml/2006/table">
-            <a:tbl>
-              <a:tblPr firstRow="1" bandRow="1">
-                <a:tableStyleId>{21E4AEA4-8DFA-4A89-87EB-49C32662AFE0}</a:tableStyleId>
-              </a:tblPr>
-              <a:tblGrid>
-                <a:gridCol w="2709333">
-                  <a:extLst>
-                    <a:ext uri="{9D8B030D-6E8A-4147-A177-3AD203B41FA5}">
-                      <a16:colId xmlns:a16="http://schemas.microsoft.com/office/drawing/2014/main" val="4215153838"/>
-                    </a:ext>
-                  </a:extLst>
-                </a:gridCol>
-                <a:gridCol w="2709333">
-                  <a:extLst>
-                    <a:ext uri="{9D8B030D-6E8A-4147-A177-3AD203B41FA5}">
-                      <a16:colId xmlns:a16="http://schemas.microsoft.com/office/drawing/2014/main" val="2815727087"/>
-                    </a:ext>
-                  </a:extLst>
-                </a:gridCol>
-              </a:tblGrid>
-              <a:tr h="370840">
-                <a:tc>
-                  <a:txBody>
-                    <a:bodyPr/>
-                    <a:lstStyle/>
-                    <a:p>
-                      <a:r>
-                        <a:rPr lang="zh-TW" altLang="en-US" dirty="0">
-                          <a:latin typeface="標楷體" panose="03000509000000000000" pitchFamily="65" charset="-120"/>
-                          <a:ea typeface="標楷體" panose="03000509000000000000" pitchFamily="65" charset="-120"/>
-                        </a:rPr>
-                        <a:t>爐</a:t>
-                      </a:r>
-                      <a:r>
-                        <a:rPr lang="en-US" altLang="zh-TW" dirty="0">
-                          <a:latin typeface="標楷體" panose="03000509000000000000" pitchFamily="65" charset="-120"/>
-                          <a:ea typeface="標楷體" panose="03000509000000000000" pitchFamily="65" charset="-120"/>
-                        </a:rPr>
-                        <a:t>ID_</a:t>
-                      </a:r>
-                      <a:r>
-                        <a:rPr lang="zh-TW" altLang="en-US" dirty="0">
-                          <a:latin typeface="標楷體" panose="03000509000000000000" pitchFamily="65" charset="-120"/>
-                          <a:ea typeface="標楷體" panose="03000509000000000000" pitchFamily="65" charset="-120"/>
-                        </a:rPr>
-                        <a:t>層</a:t>
-                      </a:r>
-                      <a:r>
-                        <a:rPr lang="en-US" altLang="zh-TW" dirty="0">
-                          <a:latin typeface="標楷體" panose="03000509000000000000" pitchFamily="65" charset="-120"/>
-                          <a:ea typeface="標楷體" panose="03000509000000000000" pitchFamily="65" charset="-120"/>
-                        </a:rPr>
-                        <a:t>ID</a:t>
-                      </a:r>
-                      <a:endParaRPr lang="zh-TW" altLang="en-US" dirty="0">
-                        <a:latin typeface="標楷體" panose="03000509000000000000" pitchFamily="65" charset="-120"/>
-                        <a:ea typeface="標楷體" panose="03000509000000000000" pitchFamily="65" charset="-120"/>
-                      </a:endParaRPr>
-                    </a:p>
-                  </a:txBody>
-                  <a:tcPr/>
-                </a:tc>
-                <a:tc>
-                  <a:txBody>
-                    <a:bodyPr/>
-                    <a:lstStyle/>
-                    <a:p>
-                      <a:pPr marL="0" marR="0" lvl="0" indent="0" algn="l" defTabSz="914400" rtl="0" eaLnBrk="1" fontAlgn="auto" latinLnBrk="0" hangingPunct="1">
-                        <a:lnSpc>
-                          <a:spcPct val="100000"/>
-                        </a:lnSpc>
-                        <a:spcBef>
-                          <a:spcPts val="0"/>
-                        </a:spcBef>
-                        <a:spcAft>
-                          <a:spcPts val="0"/>
-                        </a:spcAft>
-                        <a:buClrTx/>
-                        <a:buSzTx/>
-                        <a:buFontTx/>
-                        <a:buNone/>
-                        <a:tabLst/>
-                        <a:defRPr/>
-                      </a:pPr>
-                      <a:r>
-                        <a:rPr lang="zh-TW" altLang="en-US" dirty="0">
-                          <a:latin typeface="標楷體" panose="03000509000000000000" pitchFamily="65" charset="-120"/>
-                          <a:ea typeface="標楷體" panose="03000509000000000000" pitchFamily="65" charset="-120"/>
-                        </a:rPr>
-                        <a:t>調整後壞掉燈管數量</a:t>
-                      </a:r>
-                    </a:p>
-                  </a:txBody>
-                  <a:tcPr/>
-                </a:tc>
-                <a:extLst>
-                  <a:ext uri="{0D108BD9-81ED-4DB2-BD59-A6C34878D82A}">
-                    <a16:rowId xmlns:a16="http://schemas.microsoft.com/office/drawing/2014/main" val="3168229171"/>
-                  </a:ext>
-                </a:extLst>
-              </a:tr>
-              <a:tr h="370840">
-                <a:tc>
-                  <a:txBody>
-                    <a:bodyPr/>
-                    <a:lstStyle/>
-                    <a:p>
-                      <a:r>
-                        <a:rPr lang="en-US" altLang="zh-TW" dirty="0">
-                          <a:latin typeface="標楷體" panose="03000509000000000000" pitchFamily="65" charset="-120"/>
-                          <a:ea typeface="標楷體" panose="03000509000000000000" pitchFamily="65" charset="-120"/>
-                        </a:rPr>
-                        <a:t>1B0_1</a:t>
-                      </a:r>
-                      <a:endParaRPr lang="zh-TW" altLang="en-US" dirty="0">
-                        <a:latin typeface="標楷體" panose="03000509000000000000" pitchFamily="65" charset="-120"/>
-                        <a:ea typeface="標楷體" panose="03000509000000000000" pitchFamily="65" charset="-120"/>
-                      </a:endParaRPr>
-                    </a:p>
-                  </a:txBody>
-                  <a:tcPr/>
-                </a:tc>
-                <a:tc>
-                  <a:txBody>
-                    <a:bodyPr/>
-                    <a:lstStyle/>
-                    <a:p>
-                      <a:r>
-                        <a:rPr lang="en-US" altLang="zh-TW" dirty="0">
-                          <a:latin typeface="標楷體" panose="03000509000000000000" pitchFamily="65" charset="-120"/>
-                          <a:ea typeface="標楷體" panose="03000509000000000000" pitchFamily="65" charset="-120"/>
-                        </a:rPr>
-                        <a:t>2+3</a:t>
-                      </a:r>
-                      <a:endParaRPr lang="zh-TW" altLang="en-US" dirty="0">
-                        <a:latin typeface="標楷體" panose="03000509000000000000" pitchFamily="65" charset="-120"/>
-                        <a:ea typeface="標楷體" panose="03000509000000000000" pitchFamily="65" charset="-120"/>
-                      </a:endParaRPr>
-                    </a:p>
-                  </a:txBody>
-                  <a:tcPr/>
-                </a:tc>
-                <a:extLst>
-                  <a:ext uri="{0D108BD9-81ED-4DB2-BD59-A6C34878D82A}">
-                    <a16:rowId xmlns:a16="http://schemas.microsoft.com/office/drawing/2014/main" val="853740956"/>
-                  </a:ext>
-                </a:extLst>
-              </a:tr>
-            </a:tbl>
-          </a:graphicData>
-        </a:graphic>
-      </p:graphicFrame>
-    </p:spTree>
-    <p:extLst>
-      <p:ext uri="{BB962C8B-B14F-4D97-AF65-F5344CB8AC3E}">
-        <p14:creationId xmlns:p14="http://schemas.microsoft.com/office/powerpoint/2010/main" val="2406701880"/>
-      </p:ext>
-    </p:extLst>
-  </p:cSld>
-  <p:clrMapOvr>
-    <a:masterClrMapping/>
-  </p:clrMapOvr>
-</p:sld>
-</file>
-
-<file path=ppt/slides/slide9.xml><?xml version="1.0" encoding="utf-8"?>
 <p:sld xmlns:a="http://schemas.openxmlformats.org/drawingml/2006/main" xmlns:r="http://schemas.openxmlformats.org/officeDocument/2006/relationships" xmlns:p="http://schemas.openxmlformats.org/presentationml/2006/main">
   <p:cSld>
     <p:spTree>
